--- a/M06_Arreglos_Multidimensionales/01 Presentacion/M05_PPTX-Arreglos_Multidimensionales.pptx
+++ b/M06_Arreglos_Multidimensionales/01 Presentacion/M05_PPTX-Arreglos_Multidimensionales.pptx
@@ -353,7 +353,7 @@
           <a:p>
             <a:fld id="{0130A19F-DA6C-488F-8115-A486A94DC5D0}" type="datetimeFigureOut">
               <a:rPr lang="en-US" smtClean="0"/>
-              <a:t>3/6/23</a:t>
+              <a:t>3/8/23</a:t>
             </a:fld>
             <a:endParaRPr lang="en-US"/>
           </a:p>
@@ -11271,22 +11271,17 @@
           <a:p>
             <a:r>
               <a:rPr lang="es-ES_tradnl" dirty="0"/>
-              <a:t>Declara e inicializa una matriz de enteros para representar los días del mes de Junio 2020. Asígnale el número de día a </a:t>
-            </a:r>
-            <a:r>
-              <a:rPr lang="es-ES_tradnl"/>
-              <a:t>cada elemento.</a:t>
-            </a:r>
-            <a:endParaRPr lang="es-ES_tradnl" dirty="0"/>
+              <a:t>Declara e inicializa una matriz de enteros para representar los días del mes de Mayo 2023. Asígnale el número de día a cada elemento.</a:t>
+            </a:r>
           </a:p>
         </p:txBody>
       </p:sp>
       <p:pic>
         <p:nvPicPr>
-          <p:cNvPr id="6" name="Picture 5">
+          <p:cNvPr id="4" name="Picture 3">
             <a:extLst>
               <a:ext uri="{FF2B5EF4-FFF2-40B4-BE49-F238E27FC236}">
-                <a16:creationId xmlns:a16="http://schemas.microsoft.com/office/drawing/2014/main" id="{804ED43D-AE53-F34B-A0B0-FFF94E2E2ACB}"/>
+                <a16:creationId xmlns:a16="http://schemas.microsoft.com/office/drawing/2014/main" id="{F546BEF7-A1BE-05B4-4457-0D4F0E2A33AF}"/>
               </a:ext>
             </a:extLst>
           </p:cNvPr>
@@ -11303,8 +11298,8 @@
         </p:blipFill>
         <p:spPr>
           <a:xfrm>
-            <a:off x="2545195" y="3103715"/>
-            <a:ext cx="4053609" cy="3479647"/>
+            <a:off x="2509965" y="2999431"/>
+            <a:ext cx="3742553" cy="3619341"/>
           </a:xfrm>
           <a:prstGeom prst="rect">
             <a:avLst/>
